--- a/ppt 16-9/0947.坚固保障.pptx
+++ b/ppt 16-9/0947.坚固保障.pptx
@@ -5,7 +5,7 @@
     <p:sldMasterId id="2147483648" r:id="rId1"/>
   </p:sldMasterIdLst>
   <p:sldIdLst>
-    <p:sldId id="330" r:id="rId2"/>
+    <p:sldId id="331" r:id="rId2"/>
   </p:sldIdLst>
   <p:sldSz cx="12192000" cy="6858000"/>
   <p:notesSz cx="6858000" cy="9144000"/>
@@ -129,7 +129,7 @@
           <p:cNvPr id="2" name="标题 1">
             <a:extLst>
               <a:ext uri="{FF2B5EF4-FFF2-40B4-BE49-F238E27FC236}">
-                <a16:creationId xmlns:a16="http://schemas.microsoft.com/office/drawing/2014/main" id="{B8F6E130-143A-4220-B599-17B12328C1FA}"/>
+                <a16:creationId xmlns:a16="http://schemas.microsoft.com/office/drawing/2014/main" id="{554DB33B-C5E6-600F-62CB-38EFB0FD12A1}"/>
               </a:ext>
             </a:extLst>
           </p:cNvPr>
@@ -166,7 +166,7 @@
           <p:cNvPr id="3" name="副标题 2">
             <a:extLst>
               <a:ext uri="{FF2B5EF4-FFF2-40B4-BE49-F238E27FC236}">
-                <a16:creationId xmlns:a16="http://schemas.microsoft.com/office/drawing/2014/main" id="{9A54EB4B-D41B-9A40-EBBF-1F21662BD10A}"/>
+                <a16:creationId xmlns:a16="http://schemas.microsoft.com/office/drawing/2014/main" id="{0F3F9196-3B42-D3CF-26A5-3AA84716ABDA}"/>
               </a:ext>
             </a:extLst>
           </p:cNvPr>
@@ -236,7 +236,7 @@
           <p:cNvPr id="4" name="日期占位符 3">
             <a:extLst>
               <a:ext uri="{FF2B5EF4-FFF2-40B4-BE49-F238E27FC236}">
-                <a16:creationId xmlns:a16="http://schemas.microsoft.com/office/drawing/2014/main" id="{CEB2C70D-BEB7-1A24-7206-428E3CD30324}"/>
+                <a16:creationId xmlns:a16="http://schemas.microsoft.com/office/drawing/2014/main" id="{944430DA-34DA-70F9-828E-7EA41C3247E5}"/>
               </a:ext>
             </a:extLst>
           </p:cNvPr>
@@ -252,7 +252,7 @@
           <a:bodyPr/>
           <a:lstStyle/>
           <a:p>
-            <a:fld id="{F653BB66-0430-458F-B547-11EAC9DF9792}" type="datetimeFigureOut">
+            <a:fld id="{34198ED5-159E-44F4-BA62-A65656D5C433}" type="datetimeFigureOut">
               <a:rPr lang="zh-CN" altLang="en-US" smtClean="0"/>
               <a:t>2024/3/10</a:t>
             </a:fld>
@@ -265,7 +265,7 @@
           <p:cNvPr id="5" name="页脚占位符 4">
             <a:extLst>
               <a:ext uri="{FF2B5EF4-FFF2-40B4-BE49-F238E27FC236}">
-                <a16:creationId xmlns:a16="http://schemas.microsoft.com/office/drawing/2014/main" id="{408D0D34-ED81-716D-7A7E-388F95B290B9}"/>
+                <a16:creationId xmlns:a16="http://schemas.microsoft.com/office/drawing/2014/main" id="{58D4EC30-626F-CAF8-55EE-297A019B4501}"/>
               </a:ext>
             </a:extLst>
           </p:cNvPr>
@@ -290,7 +290,7 @@
           <p:cNvPr id="6" name="灯片编号占位符 5">
             <a:extLst>
               <a:ext uri="{FF2B5EF4-FFF2-40B4-BE49-F238E27FC236}">
-                <a16:creationId xmlns:a16="http://schemas.microsoft.com/office/drawing/2014/main" id="{C5928015-7796-2842-4B90-C3E966D34685}"/>
+                <a16:creationId xmlns:a16="http://schemas.microsoft.com/office/drawing/2014/main" id="{378E08D0-893E-FBA7-4679-DE644A48DF71}"/>
               </a:ext>
             </a:extLst>
           </p:cNvPr>
@@ -306,7 +306,7 @@
           <a:bodyPr/>
           <a:lstStyle/>
           <a:p>
-            <a:fld id="{E69BED86-7CD0-4247-932A-BA1DB47B63F2}" type="slidenum">
+            <a:fld id="{939207C1-5C28-4200-B3BD-DB57EEB1AAEB}" type="slidenum">
               <a:rPr lang="zh-CN" altLang="en-US" smtClean="0"/>
               <a:t>‹#›</a:t>
             </a:fld>
@@ -317,7 +317,7 @@
     </p:spTree>
     <p:extLst>
       <p:ext uri="{BB962C8B-B14F-4D97-AF65-F5344CB8AC3E}">
-        <p14:creationId xmlns:p14="http://schemas.microsoft.com/office/powerpoint/2010/main" val="2783494717"/>
+        <p14:creationId xmlns:p14="http://schemas.microsoft.com/office/powerpoint/2010/main" val="2383285112"/>
       </p:ext>
     </p:extLst>
   </p:cSld>
@@ -349,7 +349,7 @@
           <p:cNvPr id="2" name="标题 1">
             <a:extLst>
               <a:ext uri="{FF2B5EF4-FFF2-40B4-BE49-F238E27FC236}">
-                <a16:creationId xmlns:a16="http://schemas.microsoft.com/office/drawing/2014/main" id="{8FDB8BF5-4060-EEEB-1C9C-8F6256546AA4}"/>
+                <a16:creationId xmlns:a16="http://schemas.microsoft.com/office/drawing/2014/main" id="{0575D853-2E15-7A16-3D4F-D8375CD13741}"/>
               </a:ext>
             </a:extLst>
           </p:cNvPr>
@@ -377,7 +377,7 @@
           <p:cNvPr id="3" name="竖排文字占位符 2">
             <a:extLst>
               <a:ext uri="{FF2B5EF4-FFF2-40B4-BE49-F238E27FC236}">
-                <a16:creationId xmlns:a16="http://schemas.microsoft.com/office/drawing/2014/main" id="{2D619F2E-B48B-5B6A-CD1F-718CA4688C84}"/>
+                <a16:creationId xmlns:a16="http://schemas.microsoft.com/office/drawing/2014/main" id="{AFAA652A-795D-333E-7027-42186873FE4B}"/>
               </a:ext>
             </a:extLst>
           </p:cNvPr>
@@ -434,7 +434,7 @@
           <p:cNvPr id="4" name="日期占位符 3">
             <a:extLst>
               <a:ext uri="{FF2B5EF4-FFF2-40B4-BE49-F238E27FC236}">
-                <a16:creationId xmlns:a16="http://schemas.microsoft.com/office/drawing/2014/main" id="{52B7BC23-8550-5B2A-49F3-5ED039995553}"/>
+                <a16:creationId xmlns:a16="http://schemas.microsoft.com/office/drawing/2014/main" id="{B638D79E-40B9-1379-929E-FCF6A676355F}"/>
               </a:ext>
             </a:extLst>
           </p:cNvPr>
@@ -450,7 +450,7 @@
           <a:bodyPr/>
           <a:lstStyle/>
           <a:p>
-            <a:fld id="{F653BB66-0430-458F-B547-11EAC9DF9792}" type="datetimeFigureOut">
+            <a:fld id="{34198ED5-159E-44F4-BA62-A65656D5C433}" type="datetimeFigureOut">
               <a:rPr lang="zh-CN" altLang="en-US" smtClean="0"/>
               <a:t>2024/3/10</a:t>
             </a:fld>
@@ -463,7 +463,7 @@
           <p:cNvPr id="5" name="页脚占位符 4">
             <a:extLst>
               <a:ext uri="{FF2B5EF4-FFF2-40B4-BE49-F238E27FC236}">
-                <a16:creationId xmlns:a16="http://schemas.microsoft.com/office/drawing/2014/main" id="{02B8E49B-AA94-006C-CAB2-E7DFBA3F915D}"/>
+                <a16:creationId xmlns:a16="http://schemas.microsoft.com/office/drawing/2014/main" id="{1BF1FC83-BE31-D6E5-D7A9-C0A0799932A5}"/>
               </a:ext>
             </a:extLst>
           </p:cNvPr>
@@ -488,7 +488,7 @@
           <p:cNvPr id="6" name="灯片编号占位符 5">
             <a:extLst>
               <a:ext uri="{FF2B5EF4-FFF2-40B4-BE49-F238E27FC236}">
-                <a16:creationId xmlns:a16="http://schemas.microsoft.com/office/drawing/2014/main" id="{B52DDA42-1908-F1D8-D528-53B11B5AD6FB}"/>
+                <a16:creationId xmlns:a16="http://schemas.microsoft.com/office/drawing/2014/main" id="{B1ADD06A-980E-C9E4-E4AA-38A872BB2696}"/>
               </a:ext>
             </a:extLst>
           </p:cNvPr>
@@ -504,7 +504,7 @@
           <a:bodyPr/>
           <a:lstStyle/>
           <a:p>
-            <a:fld id="{E69BED86-7CD0-4247-932A-BA1DB47B63F2}" type="slidenum">
+            <a:fld id="{939207C1-5C28-4200-B3BD-DB57EEB1AAEB}" type="slidenum">
               <a:rPr lang="zh-CN" altLang="en-US" smtClean="0"/>
               <a:t>‹#›</a:t>
             </a:fld>
@@ -515,7 +515,7 @@
     </p:spTree>
     <p:extLst>
       <p:ext uri="{BB962C8B-B14F-4D97-AF65-F5344CB8AC3E}">
-        <p14:creationId xmlns:p14="http://schemas.microsoft.com/office/powerpoint/2010/main" val="818232949"/>
+        <p14:creationId xmlns:p14="http://schemas.microsoft.com/office/powerpoint/2010/main" val="4177974762"/>
       </p:ext>
     </p:extLst>
   </p:cSld>
@@ -547,7 +547,7 @@
           <p:cNvPr id="2" name="竖排标题 1">
             <a:extLst>
               <a:ext uri="{FF2B5EF4-FFF2-40B4-BE49-F238E27FC236}">
-                <a16:creationId xmlns:a16="http://schemas.microsoft.com/office/drawing/2014/main" id="{63CFF719-07A5-912F-6996-6D542BE78058}"/>
+                <a16:creationId xmlns:a16="http://schemas.microsoft.com/office/drawing/2014/main" id="{E28D2BB8-C241-263E-6DD6-C613CA3380F7}"/>
               </a:ext>
             </a:extLst>
           </p:cNvPr>
@@ -580,7 +580,7 @@
           <p:cNvPr id="3" name="竖排文字占位符 2">
             <a:extLst>
               <a:ext uri="{FF2B5EF4-FFF2-40B4-BE49-F238E27FC236}">
-                <a16:creationId xmlns:a16="http://schemas.microsoft.com/office/drawing/2014/main" id="{ACBCB3FC-C3AC-9F5D-E99F-E67CECD997D8}"/>
+                <a16:creationId xmlns:a16="http://schemas.microsoft.com/office/drawing/2014/main" id="{5458B750-56FB-0E08-7FDB-0A5A133614D3}"/>
               </a:ext>
             </a:extLst>
           </p:cNvPr>
@@ -642,7 +642,7 @@
           <p:cNvPr id="4" name="日期占位符 3">
             <a:extLst>
               <a:ext uri="{FF2B5EF4-FFF2-40B4-BE49-F238E27FC236}">
-                <a16:creationId xmlns:a16="http://schemas.microsoft.com/office/drawing/2014/main" id="{BE979887-362B-AFAB-A3F1-076A9AD7BCF8}"/>
+                <a16:creationId xmlns:a16="http://schemas.microsoft.com/office/drawing/2014/main" id="{60DA89AC-C20D-282F-D2E1-9E06E8BBE879}"/>
               </a:ext>
             </a:extLst>
           </p:cNvPr>
@@ -658,7 +658,7 @@
           <a:bodyPr/>
           <a:lstStyle/>
           <a:p>
-            <a:fld id="{F653BB66-0430-458F-B547-11EAC9DF9792}" type="datetimeFigureOut">
+            <a:fld id="{34198ED5-159E-44F4-BA62-A65656D5C433}" type="datetimeFigureOut">
               <a:rPr lang="zh-CN" altLang="en-US" smtClean="0"/>
               <a:t>2024/3/10</a:t>
             </a:fld>
@@ -671,7 +671,7 @@
           <p:cNvPr id="5" name="页脚占位符 4">
             <a:extLst>
               <a:ext uri="{FF2B5EF4-FFF2-40B4-BE49-F238E27FC236}">
-                <a16:creationId xmlns:a16="http://schemas.microsoft.com/office/drawing/2014/main" id="{95422421-9161-B581-51E3-07D41BE6C76F}"/>
+                <a16:creationId xmlns:a16="http://schemas.microsoft.com/office/drawing/2014/main" id="{BA1DE8FA-BE08-B511-F09C-DD954361C9A8}"/>
               </a:ext>
             </a:extLst>
           </p:cNvPr>
@@ -696,7 +696,7 @@
           <p:cNvPr id="6" name="灯片编号占位符 5">
             <a:extLst>
               <a:ext uri="{FF2B5EF4-FFF2-40B4-BE49-F238E27FC236}">
-                <a16:creationId xmlns:a16="http://schemas.microsoft.com/office/drawing/2014/main" id="{B0CAAB7E-C059-5C5D-4BFF-C6077E9D8116}"/>
+                <a16:creationId xmlns:a16="http://schemas.microsoft.com/office/drawing/2014/main" id="{3CAF243F-1CC9-3184-0093-68573A8CA333}"/>
               </a:ext>
             </a:extLst>
           </p:cNvPr>
@@ -712,7 +712,7 @@
           <a:bodyPr/>
           <a:lstStyle/>
           <a:p>
-            <a:fld id="{E69BED86-7CD0-4247-932A-BA1DB47B63F2}" type="slidenum">
+            <a:fld id="{939207C1-5C28-4200-B3BD-DB57EEB1AAEB}" type="slidenum">
               <a:rPr lang="zh-CN" altLang="en-US" smtClean="0"/>
               <a:t>‹#›</a:t>
             </a:fld>
@@ -723,7 +723,7 @@
     </p:spTree>
     <p:extLst>
       <p:ext uri="{BB962C8B-B14F-4D97-AF65-F5344CB8AC3E}">
-        <p14:creationId xmlns:p14="http://schemas.microsoft.com/office/powerpoint/2010/main" val="4007124019"/>
+        <p14:creationId xmlns:p14="http://schemas.microsoft.com/office/powerpoint/2010/main" val="3847480421"/>
       </p:ext>
     </p:extLst>
   </p:cSld>
@@ -755,7 +755,7 @@
           <p:cNvPr id="2" name="标题 1">
             <a:extLst>
               <a:ext uri="{FF2B5EF4-FFF2-40B4-BE49-F238E27FC236}">
-                <a16:creationId xmlns:a16="http://schemas.microsoft.com/office/drawing/2014/main" id="{14665526-8205-83C6-A049-0B4C8DF5A756}"/>
+                <a16:creationId xmlns:a16="http://schemas.microsoft.com/office/drawing/2014/main" id="{3157AE3B-EB4D-2A3C-571E-B00D5EBD4CDA}"/>
               </a:ext>
             </a:extLst>
           </p:cNvPr>
@@ -783,7 +783,7 @@
           <p:cNvPr id="3" name="内容占位符 2">
             <a:extLst>
               <a:ext uri="{FF2B5EF4-FFF2-40B4-BE49-F238E27FC236}">
-                <a16:creationId xmlns:a16="http://schemas.microsoft.com/office/drawing/2014/main" id="{45377969-A117-EB85-2067-140953A76336}"/>
+                <a16:creationId xmlns:a16="http://schemas.microsoft.com/office/drawing/2014/main" id="{5BCE4411-B4F2-AB93-AE4C-B6FA29D8BE2C}"/>
               </a:ext>
             </a:extLst>
           </p:cNvPr>
@@ -840,7 +840,7 @@
           <p:cNvPr id="4" name="日期占位符 3">
             <a:extLst>
               <a:ext uri="{FF2B5EF4-FFF2-40B4-BE49-F238E27FC236}">
-                <a16:creationId xmlns:a16="http://schemas.microsoft.com/office/drawing/2014/main" id="{0B0F6E2C-F8B9-102C-49C8-A04B7FDBF3F3}"/>
+                <a16:creationId xmlns:a16="http://schemas.microsoft.com/office/drawing/2014/main" id="{93CD475A-31B9-A253-7751-F642CA646339}"/>
               </a:ext>
             </a:extLst>
           </p:cNvPr>
@@ -856,7 +856,7 @@
           <a:bodyPr/>
           <a:lstStyle/>
           <a:p>
-            <a:fld id="{F653BB66-0430-458F-B547-11EAC9DF9792}" type="datetimeFigureOut">
+            <a:fld id="{34198ED5-159E-44F4-BA62-A65656D5C433}" type="datetimeFigureOut">
               <a:rPr lang="zh-CN" altLang="en-US" smtClean="0"/>
               <a:t>2024/3/10</a:t>
             </a:fld>
@@ -869,7 +869,7 @@
           <p:cNvPr id="5" name="页脚占位符 4">
             <a:extLst>
               <a:ext uri="{FF2B5EF4-FFF2-40B4-BE49-F238E27FC236}">
-                <a16:creationId xmlns:a16="http://schemas.microsoft.com/office/drawing/2014/main" id="{AB0D690D-43D6-BD80-3161-873A2594A97A}"/>
+                <a16:creationId xmlns:a16="http://schemas.microsoft.com/office/drawing/2014/main" id="{723D0134-972E-C703-A2DD-168CAA36E930}"/>
               </a:ext>
             </a:extLst>
           </p:cNvPr>
@@ -894,7 +894,7 @@
           <p:cNvPr id="6" name="灯片编号占位符 5">
             <a:extLst>
               <a:ext uri="{FF2B5EF4-FFF2-40B4-BE49-F238E27FC236}">
-                <a16:creationId xmlns:a16="http://schemas.microsoft.com/office/drawing/2014/main" id="{77D3E941-801D-48E2-F2E2-75172FB8200F}"/>
+                <a16:creationId xmlns:a16="http://schemas.microsoft.com/office/drawing/2014/main" id="{B2881BFB-49D0-5C08-D54F-3DFC2A99693A}"/>
               </a:ext>
             </a:extLst>
           </p:cNvPr>
@@ -910,7 +910,7 @@
           <a:bodyPr/>
           <a:lstStyle/>
           <a:p>
-            <a:fld id="{E69BED86-7CD0-4247-932A-BA1DB47B63F2}" type="slidenum">
+            <a:fld id="{939207C1-5C28-4200-B3BD-DB57EEB1AAEB}" type="slidenum">
               <a:rPr lang="zh-CN" altLang="en-US" smtClean="0"/>
               <a:t>‹#›</a:t>
             </a:fld>
@@ -921,7 +921,7 @@
     </p:spTree>
     <p:extLst>
       <p:ext uri="{BB962C8B-B14F-4D97-AF65-F5344CB8AC3E}">
-        <p14:creationId xmlns:p14="http://schemas.microsoft.com/office/powerpoint/2010/main" val="1549616629"/>
+        <p14:creationId xmlns:p14="http://schemas.microsoft.com/office/powerpoint/2010/main" val="152488010"/>
       </p:ext>
     </p:extLst>
   </p:cSld>
@@ -953,7 +953,7 @@
           <p:cNvPr id="2" name="标题 1">
             <a:extLst>
               <a:ext uri="{FF2B5EF4-FFF2-40B4-BE49-F238E27FC236}">
-                <a16:creationId xmlns:a16="http://schemas.microsoft.com/office/drawing/2014/main" id="{F429C3B2-2314-8D8C-FCE7-3BEFCB86831C}"/>
+                <a16:creationId xmlns:a16="http://schemas.microsoft.com/office/drawing/2014/main" id="{8F84EEF8-7D39-39A6-4C12-9DE39AE2A86C}"/>
               </a:ext>
             </a:extLst>
           </p:cNvPr>
@@ -990,7 +990,7 @@
           <p:cNvPr id="3" name="文本占位符 2">
             <a:extLst>
               <a:ext uri="{FF2B5EF4-FFF2-40B4-BE49-F238E27FC236}">
-                <a16:creationId xmlns:a16="http://schemas.microsoft.com/office/drawing/2014/main" id="{13B30F8E-85CE-54EB-9C87-B6579D6B825B}"/>
+                <a16:creationId xmlns:a16="http://schemas.microsoft.com/office/drawing/2014/main" id="{79ADC6B5-E32B-35E1-9152-27E75D0C8C51}"/>
               </a:ext>
             </a:extLst>
           </p:cNvPr>
@@ -1115,7 +1115,7 @@
           <p:cNvPr id="4" name="日期占位符 3">
             <a:extLst>
               <a:ext uri="{FF2B5EF4-FFF2-40B4-BE49-F238E27FC236}">
-                <a16:creationId xmlns:a16="http://schemas.microsoft.com/office/drawing/2014/main" id="{219B8C26-7484-42CD-60CA-83CCCE2506FD}"/>
+                <a16:creationId xmlns:a16="http://schemas.microsoft.com/office/drawing/2014/main" id="{A3DEEF0A-7BEB-B407-AB4F-16BDADD829DB}"/>
               </a:ext>
             </a:extLst>
           </p:cNvPr>
@@ -1131,7 +1131,7 @@
           <a:bodyPr/>
           <a:lstStyle/>
           <a:p>
-            <a:fld id="{F653BB66-0430-458F-B547-11EAC9DF9792}" type="datetimeFigureOut">
+            <a:fld id="{34198ED5-159E-44F4-BA62-A65656D5C433}" type="datetimeFigureOut">
               <a:rPr lang="zh-CN" altLang="en-US" smtClean="0"/>
               <a:t>2024/3/10</a:t>
             </a:fld>
@@ -1144,7 +1144,7 @@
           <p:cNvPr id="5" name="页脚占位符 4">
             <a:extLst>
               <a:ext uri="{FF2B5EF4-FFF2-40B4-BE49-F238E27FC236}">
-                <a16:creationId xmlns:a16="http://schemas.microsoft.com/office/drawing/2014/main" id="{7C9E2C2E-2F42-C457-5861-387FAD4698BC}"/>
+                <a16:creationId xmlns:a16="http://schemas.microsoft.com/office/drawing/2014/main" id="{614E5C47-BAC8-D7A4-7247-EC92F45A2836}"/>
               </a:ext>
             </a:extLst>
           </p:cNvPr>
@@ -1169,7 +1169,7 @@
           <p:cNvPr id="6" name="灯片编号占位符 5">
             <a:extLst>
               <a:ext uri="{FF2B5EF4-FFF2-40B4-BE49-F238E27FC236}">
-                <a16:creationId xmlns:a16="http://schemas.microsoft.com/office/drawing/2014/main" id="{4AC7E4AC-0DB1-AB13-726D-69542DB78248}"/>
+                <a16:creationId xmlns:a16="http://schemas.microsoft.com/office/drawing/2014/main" id="{E27E2983-5B79-842A-B223-72EBE09AB232}"/>
               </a:ext>
             </a:extLst>
           </p:cNvPr>
@@ -1185,7 +1185,7 @@
           <a:bodyPr/>
           <a:lstStyle/>
           <a:p>
-            <a:fld id="{E69BED86-7CD0-4247-932A-BA1DB47B63F2}" type="slidenum">
+            <a:fld id="{939207C1-5C28-4200-B3BD-DB57EEB1AAEB}" type="slidenum">
               <a:rPr lang="zh-CN" altLang="en-US" smtClean="0"/>
               <a:t>‹#›</a:t>
             </a:fld>
@@ -1196,7 +1196,7 @@
     </p:spTree>
     <p:extLst>
       <p:ext uri="{BB962C8B-B14F-4D97-AF65-F5344CB8AC3E}">
-        <p14:creationId xmlns:p14="http://schemas.microsoft.com/office/powerpoint/2010/main" val="250981805"/>
+        <p14:creationId xmlns:p14="http://schemas.microsoft.com/office/powerpoint/2010/main" val="212141141"/>
       </p:ext>
     </p:extLst>
   </p:cSld>
@@ -1228,7 +1228,7 @@
           <p:cNvPr id="2" name="标题 1">
             <a:extLst>
               <a:ext uri="{FF2B5EF4-FFF2-40B4-BE49-F238E27FC236}">
-                <a16:creationId xmlns:a16="http://schemas.microsoft.com/office/drawing/2014/main" id="{E2BDFE44-F098-83E7-8070-013C8AA6B288}"/>
+                <a16:creationId xmlns:a16="http://schemas.microsoft.com/office/drawing/2014/main" id="{749B2891-F592-1B49-C149-7FDAE421DB72}"/>
               </a:ext>
             </a:extLst>
           </p:cNvPr>
@@ -1256,7 +1256,7 @@
           <p:cNvPr id="3" name="内容占位符 2">
             <a:extLst>
               <a:ext uri="{FF2B5EF4-FFF2-40B4-BE49-F238E27FC236}">
-                <a16:creationId xmlns:a16="http://schemas.microsoft.com/office/drawing/2014/main" id="{8EB3745F-BAFD-8175-7EE2-749208BE92CB}"/>
+                <a16:creationId xmlns:a16="http://schemas.microsoft.com/office/drawing/2014/main" id="{5607A6C0-6822-B792-2DA3-CBB85A7D76A0}"/>
               </a:ext>
             </a:extLst>
           </p:cNvPr>
@@ -1318,7 +1318,7 @@
           <p:cNvPr id="4" name="内容占位符 3">
             <a:extLst>
               <a:ext uri="{FF2B5EF4-FFF2-40B4-BE49-F238E27FC236}">
-                <a16:creationId xmlns:a16="http://schemas.microsoft.com/office/drawing/2014/main" id="{23827A3E-81B4-A8E5-8B2C-E6FE9FC4CDEA}"/>
+                <a16:creationId xmlns:a16="http://schemas.microsoft.com/office/drawing/2014/main" id="{FCC07C5E-13FE-4B96-B571-27D8498A6CF4}"/>
               </a:ext>
             </a:extLst>
           </p:cNvPr>
@@ -1380,7 +1380,7 @@
           <p:cNvPr id="5" name="日期占位符 4">
             <a:extLst>
               <a:ext uri="{FF2B5EF4-FFF2-40B4-BE49-F238E27FC236}">
-                <a16:creationId xmlns:a16="http://schemas.microsoft.com/office/drawing/2014/main" id="{3189C50C-90E9-7F13-8B98-5BA0598D5D39}"/>
+                <a16:creationId xmlns:a16="http://schemas.microsoft.com/office/drawing/2014/main" id="{BF2EF3FE-F8D4-ECB7-EA47-2520891F06E1}"/>
               </a:ext>
             </a:extLst>
           </p:cNvPr>
@@ -1396,7 +1396,7 @@
           <a:bodyPr/>
           <a:lstStyle/>
           <a:p>
-            <a:fld id="{F653BB66-0430-458F-B547-11EAC9DF9792}" type="datetimeFigureOut">
+            <a:fld id="{34198ED5-159E-44F4-BA62-A65656D5C433}" type="datetimeFigureOut">
               <a:rPr lang="zh-CN" altLang="en-US" smtClean="0"/>
               <a:t>2024/3/10</a:t>
             </a:fld>
@@ -1409,7 +1409,7 @@
           <p:cNvPr id="6" name="页脚占位符 5">
             <a:extLst>
               <a:ext uri="{FF2B5EF4-FFF2-40B4-BE49-F238E27FC236}">
-                <a16:creationId xmlns:a16="http://schemas.microsoft.com/office/drawing/2014/main" id="{444FFFE0-45C1-D6C0-87B2-79F2467F6380}"/>
+                <a16:creationId xmlns:a16="http://schemas.microsoft.com/office/drawing/2014/main" id="{593FA1EB-21D0-1B03-ABF0-9A2F2FE82DD1}"/>
               </a:ext>
             </a:extLst>
           </p:cNvPr>
@@ -1434,7 +1434,7 @@
           <p:cNvPr id="7" name="灯片编号占位符 6">
             <a:extLst>
               <a:ext uri="{FF2B5EF4-FFF2-40B4-BE49-F238E27FC236}">
-                <a16:creationId xmlns:a16="http://schemas.microsoft.com/office/drawing/2014/main" id="{2D6B2BA7-DE06-F2AE-F61A-6E897FDD4E86}"/>
+                <a16:creationId xmlns:a16="http://schemas.microsoft.com/office/drawing/2014/main" id="{9696D577-A0DC-6B7D-6F51-F65499A8EA6F}"/>
               </a:ext>
             </a:extLst>
           </p:cNvPr>
@@ -1450,7 +1450,7 @@
           <a:bodyPr/>
           <a:lstStyle/>
           <a:p>
-            <a:fld id="{E69BED86-7CD0-4247-932A-BA1DB47B63F2}" type="slidenum">
+            <a:fld id="{939207C1-5C28-4200-B3BD-DB57EEB1AAEB}" type="slidenum">
               <a:rPr lang="zh-CN" altLang="en-US" smtClean="0"/>
               <a:t>‹#›</a:t>
             </a:fld>
@@ -1461,7 +1461,7 @@
     </p:spTree>
     <p:extLst>
       <p:ext uri="{BB962C8B-B14F-4D97-AF65-F5344CB8AC3E}">
-        <p14:creationId xmlns:p14="http://schemas.microsoft.com/office/powerpoint/2010/main" val="1280561035"/>
+        <p14:creationId xmlns:p14="http://schemas.microsoft.com/office/powerpoint/2010/main" val="2789138011"/>
       </p:ext>
     </p:extLst>
   </p:cSld>
@@ -1493,7 +1493,7 @@
           <p:cNvPr id="2" name="标题 1">
             <a:extLst>
               <a:ext uri="{FF2B5EF4-FFF2-40B4-BE49-F238E27FC236}">
-                <a16:creationId xmlns:a16="http://schemas.microsoft.com/office/drawing/2014/main" id="{318340BA-B043-1201-79B3-ED6366F253F8}"/>
+                <a16:creationId xmlns:a16="http://schemas.microsoft.com/office/drawing/2014/main" id="{7FFBA44C-4981-E632-0E99-B266E9F8C19A}"/>
               </a:ext>
             </a:extLst>
           </p:cNvPr>
@@ -1526,7 +1526,7 @@
           <p:cNvPr id="3" name="文本占位符 2">
             <a:extLst>
               <a:ext uri="{FF2B5EF4-FFF2-40B4-BE49-F238E27FC236}">
-                <a16:creationId xmlns:a16="http://schemas.microsoft.com/office/drawing/2014/main" id="{887B99E9-2EAE-7DDF-6FCF-0B405E0FFB4F}"/>
+                <a16:creationId xmlns:a16="http://schemas.microsoft.com/office/drawing/2014/main" id="{58FF30ED-B835-1258-B09C-EBB6809C74DC}"/>
               </a:ext>
             </a:extLst>
           </p:cNvPr>
@@ -1597,7 +1597,7 @@
           <p:cNvPr id="4" name="内容占位符 3">
             <a:extLst>
               <a:ext uri="{FF2B5EF4-FFF2-40B4-BE49-F238E27FC236}">
-                <a16:creationId xmlns:a16="http://schemas.microsoft.com/office/drawing/2014/main" id="{887678C2-11DE-C90F-515E-A9A2D6564CE4}"/>
+                <a16:creationId xmlns:a16="http://schemas.microsoft.com/office/drawing/2014/main" id="{82CF1BEC-2DC9-2307-0AE2-117E0101751F}"/>
               </a:ext>
             </a:extLst>
           </p:cNvPr>
@@ -1659,7 +1659,7 @@
           <p:cNvPr id="5" name="文本占位符 4">
             <a:extLst>
               <a:ext uri="{FF2B5EF4-FFF2-40B4-BE49-F238E27FC236}">
-                <a16:creationId xmlns:a16="http://schemas.microsoft.com/office/drawing/2014/main" id="{1738407E-4E86-CC82-3B2C-AFAB416C434B}"/>
+                <a16:creationId xmlns:a16="http://schemas.microsoft.com/office/drawing/2014/main" id="{9D967A81-B192-269E-F231-7723BA9F147C}"/>
               </a:ext>
             </a:extLst>
           </p:cNvPr>
@@ -1730,7 +1730,7 @@
           <p:cNvPr id="6" name="内容占位符 5">
             <a:extLst>
               <a:ext uri="{FF2B5EF4-FFF2-40B4-BE49-F238E27FC236}">
-                <a16:creationId xmlns:a16="http://schemas.microsoft.com/office/drawing/2014/main" id="{1B2062B8-E2A0-21F5-954A-4D21F058AD9C}"/>
+                <a16:creationId xmlns:a16="http://schemas.microsoft.com/office/drawing/2014/main" id="{DE6580B4-E677-53D3-207A-785FAE92328F}"/>
               </a:ext>
             </a:extLst>
           </p:cNvPr>
@@ -1792,7 +1792,7 @@
           <p:cNvPr id="7" name="日期占位符 6">
             <a:extLst>
               <a:ext uri="{FF2B5EF4-FFF2-40B4-BE49-F238E27FC236}">
-                <a16:creationId xmlns:a16="http://schemas.microsoft.com/office/drawing/2014/main" id="{2A259A49-0249-F141-35AF-8712FFD127BB}"/>
+                <a16:creationId xmlns:a16="http://schemas.microsoft.com/office/drawing/2014/main" id="{44EF4AD6-7013-54BD-81D4-D160C2141B17}"/>
               </a:ext>
             </a:extLst>
           </p:cNvPr>
@@ -1808,7 +1808,7 @@
           <a:bodyPr/>
           <a:lstStyle/>
           <a:p>
-            <a:fld id="{F653BB66-0430-458F-B547-11EAC9DF9792}" type="datetimeFigureOut">
+            <a:fld id="{34198ED5-159E-44F4-BA62-A65656D5C433}" type="datetimeFigureOut">
               <a:rPr lang="zh-CN" altLang="en-US" smtClean="0"/>
               <a:t>2024/3/10</a:t>
             </a:fld>
@@ -1821,7 +1821,7 @@
           <p:cNvPr id="8" name="页脚占位符 7">
             <a:extLst>
               <a:ext uri="{FF2B5EF4-FFF2-40B4-BE49-F238E27FC236}">
-                <a16:creationId xmlns:a16="http://schemas.microsoft.com/office/drawing/2014/main" id="{B464D02E-687B-7482-39AE-B5C3FB4A67BA}"/>
+                <a16:creationId xmlns:a16="http://schemas.microsoft.com/office/drawing/2014/main" id="{62EB0C9E-C1AA-17D4-A892-4C27F5701DD4}"/>
               </a:ext>
             </a:extLst>
           </p:cNvPr>
@@ -1846,7 +1846,7 @@
           <p:cNvPr id="9" name="灯片编号占位符 8">
             <a:extLst>
               <a:ext uri="{FF2B5EF4-FFF2-40B4-BE49-F238E27FC236}">
-                <a16:creationId xmlns:a16="http://schemas.microsoft.com/office/drawing/2014/main" id="{CF5E0F89-6D73-F4C6-2B9C-054D36A485CC}"/>
+                <a16:creationId xmlns:a16="http://schemas.microsoft.com/office/drawing/2014/main" id="{BC70B8EF-C0F6-0191-1279-EB6EB98D3593}"/>
               </a:ext>
             </a:extLst>
           </p:cNvPr>
@@ -1862,7 +1862,7 @@
           <a:bodyPr/>
           <a:lstStyle/>
           <a:p>
-            <a:fld id="{E69BED86-7CD0-4247-932A-BA1DB47B63F2}" type="slidenum">
+            <a:fld id="{939207C1-5C28-4200-B3BD-DB57EEB1AAEB}" type="slidenum">
               <a:rPr lang="zh-CN" altLang="en-US" smtClean="0"/>
               <a:t>‹#›</a:t>
             </a:fld>
@@ -1873,7 +1873,7 @@
     </p:spTree>
     <p:extLst>
       <p:ext uri="{BB962C8B-B14F-4D97-AF65-F5344CB8AC3E}">
-        <p14:creationId xmlns:p14="http://schemas.microsoft.com/office/powerpoint/2010/main" val="2617669602"/>
+        <p14:creationId xmlns:p14="http://schemas.microsoft.com/office/powerpoint/2010/main" val="3127532236"/>
       </p:ext>
     </p:extLst>
   </p:cSld>
@@ -1905,7 +1905,7 @@
           <p:cNvPr id="2" name="标题 1">
             <a:extLst>
               <a:ext uri="{FF2B5EF4-FFF2-40B4-BE49-F238E27FC236}">
-                <a16:creationId xmlns:a16="http://schemas.microsoft.com/office/drawing/2014/main" id="{A84738B4-4D03-BF7C-CADD-F7A36FC954C0}"/>
+                <a16:creationId xmlns:a16="http://schemas.microsoft.com/office/drawing/2014/main" id="{19DC79F7-7F0C-9062-C256-8ABA6F96B41B}"/>
               </a:ext>
             </a:extLst>
           </p:cNvPr>
@@ -1933,7 +1933,7 @@
           <p:cNvPr id="3" name="日期占位符 2">
             <a:extLst>
               <a:ext uri="{FF2B5EF4-FFF2-40B4-BE49-F238E27FC236}">
-                <a16:creationId xmlns:a16="http://schemas.microsoft.com/office/drawing/2014/main" id="{605ECAFE-2F8A-8042-DCE0-31FA30489B80}"/>
+                <a16:creationId xmlns:a16="http://schemas.microsoft.com/office/drawing/2014/main" id="{15173577-5F51-76E3-D31B-F0B6EFC97A06}"/>
               </a:ext>
             </a:extLst>
           </p:cNvPr>
@@ -1949,7 +1949,7 @@
           <a:bodyPr/>
           <a:lstStyle/>
           <a:p>
-            <a:fld id="{F653BB66-0430-458F-B547-11EAC9DF9792}" type="datetimeFigureOut">
+            <a:fld id="{34198ED5-159E-44F4-BA62-A65656D5C433}" type="datetimeFigureOut">
               <a:rPr lang="zh-CN" altLang="en-US" smtClean="0"/>
               <a:t>2024/3/10</a:t>
             </a:fld>
@@ -1962,7 +1962,7 @@
           <p:cNvPr id="4" name="页脚占位符 3">
             <a:extLst>
               <a:ext uri="{FF2B5EF4-FFF2-40B4-BE49-F238E27FC236}">
-                <a16:creationId xmlns:a16="http://schemas.microsoft.com/office/drawing/2014/main" id="{6CE0B182-F07F-484E-593F-29A41EC1178D}"/>
+                <a16:creationId xmlns:a16="http://schemas.microsoft.com/office/drawing/2014/main" id="{CAFD38D7-366E-CC1A-5244-82FF6253C46C}"/>
               </a:ext>
             </a:extLst>
           </p:cNvPr>
@@ -1987,7 +1987,7 @@
           <p:cNvPr id="5" name="灯片编号占位符 4">
             <a:extLst>
               <a:ext uri="{FF2B5EF4-FFF2-40B4-BE49-F238E27FC236}">
-                <a16:creationId xmlns:a16="http://schemas.microsoft.com/office/drawing/2014/main" id="{CECB1CCB-79A5-F56A-3F72-E3327C54BC75}"/>
+                <a16:creationId xmlns:a16="http://schemas.microsoft.com/office/drawing/2014/main" id="{2BFFC639-2197-3E6B-1B2A-B085DB242218}"/>
               </a:ext>
             </a:extLst>
           </p:cNvPr>
@@ -2003,7 +2003,7 @@
           <a:bodyPr/>
           <a:lstStyle/>
           <a:p>
-            <a:fld id="{E69BED86-7CD0-4247-932A-BA1DB47B63F2}" type="slidenum">
+            <a:fld id="{939207C1-5C28-4200-B3BD-DB57EEB1AAEB}" type="slidenum">
               <a:rPr lang="zh-CN" altLang="en-US" smtClean="0"/>
               <a:t>‹#›</a:t>
             </a:fld>
@@ -2014,7 +2014,7 @@
     </p:spTree>
     <p:extLst>
       <p:ext uri="{BB962C8B-B14F-4D97-AF65-F5344CB8AC3E}">
-        <p14:creationId xmlns:p14="http://schemas.microsoft.com/office/powerpoint/2010/main" val="1793823767"/>
+        <p14:creationId xmlns:p14="http://schemas.microsoft.com/office/powerpoint/2010/main" val="1419177330"/>
       </p:ext>
     </p:extLst>
   </p:cSld>
@@ -2046,7 +2046,7 @@
           <p:cNvPr id="2" name="日期占位符 1">
             <a:extLst>
               <a:ext uri="{FF2B5EF4-FFF2-40B4-BE49-F238E27FC236}">
-                <a16:creationId xmlns:a16="http://schemas.microsoft.com/office/drawing/2014/main" id="{16544EA0-8A47-7BEF-1E92-6505355C4AE9}"/>
+                <a16:creationId xmlns:a16="http://schemas.microsoft.com/office/drawing/2014/main" id="{A933CAF1-ABFE-C7B1-7399-0111D4A595BA}"/>
               </a:ext>
             </a:extLst>
           </p:cNvPr>
@@ -2062,7 +2062,7 @@
           <a:bodyPr/>
           <a:lstStyle/>
           <a:p>
-            <a:fld id="{F653BB66-0430-458F-B547-11EAC9DF9792}" type="datetimeFigureOut">
+            <a:fld id="{34198ED5-159E-44F4-BA62-A65656D5C433}" type="datetimeFigureOut">
               <a:rPr lang="zh-CN" altLang="en-US" smtClean="0"/>
               <a:t>2024/3/10</a:t>
             </a:fld>
@@ -2075,7 +2075,7 @@
           <p:cNvPr id="3" name="页脚占位符 2">
             <a:extLst>
               <a:ext uri="{FF2B5EF4-FFF2-40B4-BE49-F238E27FC236}">
-                <a16:creationId xmlns:a16="http://schemas.microsoft.com/office/drawing/2014/main" id="{2B91E55E-670D-3491-03ED-EA063EBB0824}"/>
+                <a16:creationId xmlns:a16="http://schemas.microsoft.com/office/drawing/2014/main" id="{FF79916E-A593-10D6-3FBC-FF5290CFEEFB}"/>
               </a:ext>
             </a:extLst>
           </p:cNvPr>
@@ -2100,7 +2100,7 @@
           <p:cNvPr id="4" name="灯片编号占位符 3">
             <a:extLst>
               <a:ext uri="{FF2B5EF4-FFF2-40B4-BE49-F238E27FC236}">
-                <a16:creationId xmlns:a16="http://schemas.microsoft.com/office/drawing/2014/main" id="{E3D343BF-0496-40EE-64E9-DE2E6A7543B8}"/>
+                <a16:creationId xmlns:a16="http://schemas.microsoft.com/office/drawing/2014/main" id="{2E0D54DF-9987-9904-86E3-DFB94D62359A}"/>
               </a:ext>
             </a:extLst>
           </p:cNvPr>
@@ -2116,7 +2116,7 @@
           <a:bodyPr/>
           <a:lstStyle/>
           <a:p>
-            <a:fld id="{E69BED86-7CD0-4247-932A-BA1DB47B63F2}" type="slidenum">
+            <a:fld id="{939207C1-5C28-4200-B3BD-DB57EEB1AAEB}" type="slidenum">
               <a:rPr lang="zh-CN" altLang="en-US" smtClean="0"/>
               <a:t>‹#›</a:t>
             </a:fld>
@@ -2127,7 +2127,7 @@
     </p:spTree>
     <p:extLst>
       <p:ext uri="{BB962C8B-B14F-4D97-AF65-F5344CB8AC3E}">
-        <p14:creationId xmlns:p14="http://schemas.microsoft.com/office/powerpoint/2010/main" val="617503277"/>
+        <p14:creationId xmlns:p14="http://schemas.microsoft.com/office/powerpoint/2010/main" val="3691449308"/>
       </p:ext>
     </p:extLst>
   </p:cSld>
@@ -2159,7 +2159,7 @@
           <p:cNvPr id="2" name="标题 1">
             <a:extLst>
               <a:ext uri="{FF2B5EF4-FFF2-40B4-BE49-F238E27FC236}">
-                <a16:creationId xmlns:a16="http://schemas.microsoft.com/office/drawing/2014/main" id="{D2DE1004-6807-7043-FA9B-B2D6F88DC1A6}"/>
+                <a16:creationId xmlns:a16="http://schemas.microsoft.com/office/drawing/2014/main" id="{27671AA7-4766-D9C3-8960-42B52A772E37}"/>
               </a:ext>
             </a:extLst>
           </p:cNvPr>
@@ -2196,7 +2196,7 @@
           <p:cNvPr id="3" name="内容占位符 2">
             <a:extLst>
               <a:ext uri="{FF2B5EF4-FFF2-40B4-BE49-F238E27FC236}">
-                <a16:creationId xmlns:a16="http://schemas.microsoft.com/office/drawing/2014/main" id="{660C6918-3136-AED8-8246-1ECE085BDC68}"/>
+                <a16:creationId xmlns:a16="http://schemas.microsoft.com/office/drawing/2014/main" id="{E2628C5F-88B2-6620-A3E8-475BEA9DD4F2}"/>
               </a:ext>
             </a:extLst>
           </p:cNvPr>
@@ -2286,7 +2286,7 @@
           <p:cNvPr id="4" name="文本占位符 3">
             <a:extLst>
               <a:ext uri="{FF2B5EF4-FFF2-40B4-BE49-F238E27FC236}">
-                <a16:creationId xmlns:a16="http://schemas.microsoft.com/office/drawing/2014/main" id="{24E09F6B-2A91-43E2-5196-1F0D90CACEF4}"/>
+                <a16:creationId xmlns:a16="http://schemas.microsoft.com/office/drawing/2014/main" id="{9493CAF2-C216-EC1A-D1BC-3A248B795517}"/>
               </a:ext>
             </a:extLst>
           </p:cNvPr>
@@ -2357,7 +2357,7 @@
           <p:cNvPr id="5" name="日期占位符 4">
             <a:extLst>
               <a:ext uri="{FF2B5EF4-FFF2-40B4-BE49-F238E27FC236}">
-                <a16:creationId xmlns:a16="http://schemas.microsoft.com/office/drawing/2014/main" id="{FACE09D7-B25A-47C0-A7F8-A1C447D39459}"/>
+                <a16:creationId xmlns:a16="http://schemas.microsoft.com/office/drawing/2014/main" id="{F25E1977-BF53-1996-B194-0256552BB574}"/>
               </a:ext>
             </a:extLst>
           </p:cNvPr>
@@ -2373,7 +2373,7 @@
           <a:bodyPr/>
           <a:lstStyle/>
           <a:p>
-            <a:fld id="{F653BB66-0430-458F-B547-11EAC9DF9792}" type="datetimeFigureOut">
+            <a:fld id="{34198ED5-159E-44F4-BA62-A65656D5C433}" type="datetimeFigureOut">
               <a:rPr lang="zh-CN" altLang="en-US" smtClean="0"/>
               <a:t>2024/3/10</a:t>
             </a:fld>
@@ -2386,7 +2386,7 @@
           <p:cNvPr id="6" name="页脚占位符 5">
             <a:extLst>
               <a:ext uri="{FF2B5EF4-FFF2-40B4-BE49-F238E27FC236}">
-                <a16:creationId xmlns:a16="http://schemas.microsoft.com/office/drawing/2014/main" id="{A1D93B14-6B97-9216-F4BE-7F64D7513CCA}"/>
+                <a16:creationId xmlns:a16="http://schemas.microsoft.com/office/drawing/2014/main" id="{E575122D-5E1B-DCC4-3F5E-F576AE6E4978}"/>
               </a:ext>
             </a:extLst>
           </p:cNvPr>
@@ -2411,7 +2411,7 @@
           <p:cNvPr id="7" name="灯片编号占位符 6">
             <a:extLst>
               <a:ext uri="{FF2B5EF4-FFF2-40B4-BE49-F238E27FC236}">
-                <a16:creationId xmlns:a16="http://schemas.microsoft.com/office/drawing/2014/main" id="{C6EF2488-858E-67AD-765D-486F34213A7B}"/>
+                <a16:creationId xmlns:a16="http://schemas.microsoft.com/office/drawing/2014/main" id="{1861F1ED-55F6-E8CB-B0AC-7DC9B4A713F2}"/>
               </a:ext>
             </a:extLst>
           </p:cNvPr>
@@ -2427,7 +2427,7 @@
           <a:bodyPr/>
           <a:lstStyle/>
           <a:p>
-            <a:fld id="{E69BED86-7CD0-4247-932A-BA1DB47B63F2}" type="slidenum">
+            <a:fld id="{939207C1-5C28-4200-B3BD-DB57EEB1AAEB}" type="slidenum">
               <a:rPr lang="zh-CN" altLang="en-US" smtClean="0"/>
               <a:t>‹#›</a:t>
             </a:fld>
@@ -2438,7 +2438,7 @@
     </p:spTree>
     <p:extLst>
       <p:ext uri="{BB962C8B-B14F-4D97-AF65-F5344CB8AC3E}">
-        <p14:creationId xmlns:p14="http://schemas.microsoft.com/office/powerpoint/2010/main" val="3062020420"/>
+        <p14:creationId xmlns:p14="http://schemas.microsoft.com/office/powerpoint/2010/main" val="249397952"/>
       </p:ext>
     </p:extLst>
   </p:cSld>
@@ -2470,7 +2470,7 @@
           <p:cNvPr id="2" name="标题 1">
             <a:extLst>
               <a:ext uri="{FF2B5EF4-FFF2-40B4-BE49-F238E27FC236}">
-                <a16:creationId xmlns:a16="http://schemas.microsoft.com/office/drawing/2014/main" id="{CD3E2162-A7D4-21CB-2A3C-FA02B374A05B}"/>
+                <a16:creationId xmlns:a16="http://schemas.microsoft.com/office/drawing/2014/main" id="{AA37140A-44B5-7863-3790-BFC640D95323}"/>
               </a:ext>
             </a:extLst>
           </p:cNvPr>
@@ -2507,7 +2507,7 @@
           <p:cNvPr id="3" name="图片占位符 2">
             <a:extLst>
               <a:ext uri="{FF2B5EF4-FFF2-40B4-BE49-F238E27FC236}">
-                <a16:creationId xmlns:a16="http://schemas.microsoft.com/office/drawing/2014/main" id="{5A0E1A94-4492-F8A5-7403-DC1C06862F35}"/>
+                <a16:creationId xmlns:a16="http://schemas.microsoft.com/office/drawing/2014/main" id="{A680A911-02EA-C67E-F6B8-FFB806E3FE37}"/>
               </a:ext>
             </a:extLst>
           </p:cNvPr>
@@ -2574,7 +2574,7 @@
           <p:cNvPr id="4" name="文本占位符 3">
             <a:extLst>
               <a:ext uri="{FF2B5EF4-FFF2-40B4-BE49-F238E27FC236}">
-                <a16:creationId xmlns:a16="http://schemas.microsoft.com/office/drawing/2014/main" id="{D938DA67-D06E-01F9-AD16-C001C407B8AF}"/>
+                <a16:creationId xmlns:a16="http://schemas.microsoft.com/office/drawing/2014/main" id="{ACDB4A44-E722-47BD-143E-DAED3DA122CA}"/>
               </a:ext>
             </a:extLst>
           </p:cNvPr>
@@ -2645,7 +2645,7 @@
           <p:cNvPr id="5" name="日期占位符 4">
             <a:extLst>
               <a:ext uri="{FF2B5EF4-FFF2-40B4-BE49-F238E27FC236}">
-                <a16:creationId xmlns:a16="http://schemas.microsoft.com/office/drawing/2014/main" id="{33074F6C-5B9E-4B7E-345F-33512C11A525}"/>
+                <a16:creationId xmlns:a16="http://schemas.microsoft.com/office/drawing/2014/main" id="{22CC2C04-7DEB-6B46-4329-5A32144ED0B7}"/>
               </a:ext>
             </a:extLst>
           </p:cNvPr>
@@ -2661,7 +2661,7 @@
           <a:bodyPr/>
           <a:lstStyle/>
           <a:p>
-            <a:fld id="{F653BB66-0430-458F-B547-11EAC9DF9792}" type="datetimeFigureOut">
+            <a:fld id="{34198ED5-159E-44F4-BA62-A65656D5C433}" type="datetimeFigureOut">
               <a:rPr lang="zh-CN" altLang="en-US" smtClean="0"/>
               <a:t>2024/3/10</a:t>
             </a:fld>
@@ -2674,7 +2674,7 @@
           <p:cNvPr id="6" name="页脚占位符 5">
             <a:extLst>
               <a:ext uri="{FF2B5EF4-FFF2-40B4-BE49-F238E27FC236}">
-                <a16:creationId xmlns:a16="http://schemas.microsoft.com/office/drawing/2014/main" id="{83B9FE3C-36A5-ED53-69E2-25F4086CC69E}"/>
+                <a16:creationId xmlns:a16="http://schemas.microsoft.com/office/drawing/2014/main" id="{B22615AD-295D-4433-9AFD-D408EB89A6B3}"/>
               </a:ext>
             </a:extLst>
           </p:cNvPr>
@@ -2699,7 +2699,7 @@
           <p:cNvPr id="7" name="灯片编号占位符 6">
             <a:extLst>
               <a:ext uri="{FF2B5EF4-FFF2-40B4-BE49-F238E27FC236}">
-                <a16:creationId xmlns:a16="http://schemas.microsoft.com/office/drawing/2014/main" id="{8E566DC2-BA45-7B51-90A6-B33B07674794}"/>
+                <a16:creationId xmlns:a16="http://schemas.microsoft.com/office/drawing/2014/main" id="{6EE8C676-2D7E-4CC0-FCB7-9D2BBAB8EA66}"/>
               </a:ext>
             </a:extLst>
           </p:cNvPr>
@@ -2715,7 +2715,7 @@
           <a:bodyPr/>
           <a:lstStyle/>
           <a:p>
-            <a:fld id="{E69BED86-7CD0-4247-932A-BA1DB47B63F2}" type="slidenum">
+            <a:fld id="{939207C1-5C28-4200-B3BD-DB57EEB1AAEB}" type="slidenum">
               <a:rPr lang="zh-CN" altLang="en-US" smtClean="0"/>
               <a:t>‹#›</a:t>
             </a:fld>
@@ -2726,7 +2726,7 @@
     </p:spTree>
     <p:extLst>
       <p:ext uri="{BB962C8B-B14F-4D97-AF65-F5344CB8AC3E}">
-        <p14:creationId xmlns:p14="http://schemas.microsoft.com/office/powerpoint/2010/main" val="2104657361"/>
+        <p14:creationId xmlns:p14="http://schemas.microsoft.com/office/powerpoint/2010/main" val="3372129940"/>
       </p:ext>
     </p:extLst>
   </p:cSld>
@@ -2763,7 +2763,7 @@
           <p:cNvPr id="2" name="标题占位符 1">
             <a:extLst>
               <a:ext uri="{FF2B5EF4-FFF2-40B4-BE49-F238E27FC236}">
-                <a16:creationId xmlns:a16="http://schemas.microsoft.com/office/drawing/2014/main" id="{A4B15755-516A-D08C-5FAB-4DDB267D7C49}"/>
+                <a16:creationId xmlns:a16="http://schemas.microsoft.com/office/drawing/2014/main" id="{A594522F-65A4-440C-6686-128BB5C38982}"/>
               </a:ext>
             </a:extLst>
           </p:cNvPr>
@@ -2801,7 +2801,7 @@
           <p:cNvPr id="3" name="文本占位符 2">
             <a:extLst>
               <a:ext uri="{FF2B5EF4-FFF2-40B4-BE49-F238E27FC236}">
-                <a16:creationId xmlns:a16="http://schemas.microsoft.com/office/drawing/2014/main" id="{C3256FD0-E660-A720-E93A-2C119C6311A9}"/>
+                <a16:creationId xmlns:a16="http://schemas.microsoft.com/office/drawing/2014/main" id="{EC1D5737-4B58-0542-0AA8-03F268B15627}"/>
               </a:ext>
             </a:extLst>
           </p:cNvPr>
@@ -2868,7 +2868,7 @@
           <p:cNvPr id="4" name="日期占位符 3">
             <a:extLst>
               <a:ext uri="{FF2B5EF4-FFF2-40B4-BE49-F238E27FC236}">
-                <a16:creationId xmlns:a16="http://schemas.microsoft.com/office/drawing/2014/main" id="{EAE52AC1-31EE-F183-7373-246B93618D4A}"/>
+                <a16:creationId xmlns:a16="http://schemas.microsoft.com/office/drawing/2014/main" id="{DFDB2112-9E87-36D9-7859-2CDCC9F8EE18}"/>
               </a:ext>
             </a:extLst>
           </p:cNvPr>
@@ -2902,7 +2902,7 @@
             </a:lvl1pPr>
           </a:lstStyle>
           <a:p>
-            <a:fld id="{F653BB66-0430-458F-B547-11EAC9DF9792}" type="datetimeFigureOut">
+            <a:fld id="{34198ED5-159E-44F4-BA62-A65656D5C433}" type="datetimeFigureOut">
               <a:rPr lang="zh-CN" altLang="en-US" smtClean="0"/>
               <a:t>2024/3/10</a:t>
             </a:fld>
@@ -2915,7 +2915,7 @@
           <p:cNvPr id="5" name="页脚占位符 4">
             <a:extLst>
               <a:ext uri="{FF2B5EF4-FFF2-40B4-BE49-F238E27FC236}">
-                <a16:creationId xmlns:a16="http://schemas.microsoft.com/office/drawing/2014/main" id="{50C256F6-ED9B-5D5B-AD66-5ADC6747E50C}"/>
+                <a16:creationId xmlns:a16="http://schemas.microsoft.com/office/drawing/2014/main" id="{2FE44827-86A6-D2FB-88A5-F8FF80D71846}"/>
               </a:ext>
             </a:extLst>
           </p:cNvPr>
@@ -2958,7 +2958,7 @@
           <p:cNvPr id="6" name="灯片编号占位符 5">
             <a:extLst>
               <a:ext uri="{FF2B5EF4-FFF2-40B4-BE49-F238E27FC236}">
-                <a16:creationId xmlns:a16="http://schemas.microsoft.com/office/drawing/2014/main" id="{54AACEEC-F6BD-52C8-4117-79C7BB961C9B}"/>
+                <a16:creationId xmlns:a16="http://schemas.microsoft.com/office/drawing/2014/main" id="{67E06B66-5B03-754B-884C-420275954A8E}"/>
               </a:ext>
             </a:extLst>
           </p:cNvPr>
@@ -2992,7 +2992,7 @@
             </a:lvl1pPr>
           </a:lstStyle>
           <a:p>
-            <a:fld id="{E69BED86-7CD0-4247-932A-BA1DB47B63F2}" type="slidenum">
+            <a:fld id="{939207C1-5C28-4200-B3BD-DB57EEB1AAEB}" type="slidenum">
               <a:rPr lang="zh-CN" altLang="en-US" smtClean="0"/>
               <a:t>‹#›</a:t>
             </a:fld>
@@ -3003,7 +3003,7 @@
     </p:spTree>
     <p:extLst>
       <p:ext uri="{BB962C8B-B14F-4D97-AF65-F5344CB8AC3E}">
-        <p14:creationId xmlns:p14="http://schemas.microsoft.com/office/powerpoint/2010/main" val="319705225"/>
+        <p14:creationId xmlns:p14="http://schemas.microsoft.com/office/powerpoint/2010/main" val="3869847108"/>
       </p:ext>
     </p:extLst>
   </p:cSld>
@@ -3323,7 +3323,7 @@
       </p:grpSpPr>
       <p:pic>
         <p:nvPicPr>
-          <p:cNvPr id="969730" name="Picture 2" descr="946"/>
+          <p:cNvPr id="970754" name="Picture 2" descr="947"/>
           <p:cNvPicPr>
             <a:picLocks noChangeAspect="1" noChangeArrowheads="1"/>
           </p:cNvPicPr>
@@ -3345,7 +3345,7 @@
         <p:spPr bwMode="auto">
           <a:xfrm>
             <a:off x="1524000" y="0"/>
-            <a:ext cx="9144000" cy="5805488"/>
+            <a:ext cx="9144000" cy="6858000"/>
           </a:xfrm>
           <a:prstGeom prst="rect">
             <a:avLst/>
@@ -3375,11 +3375,158 @@
           </a:extLst>
         </p:spPr>
       </p:pic>
+      <p:pic>
+        <p:nvPicPr>
+          <p:cNvPr id="971779" name="Picture 3" descr="947-2"/>
+          <p:cNvPicPr>
+            <a:picLocks noChangeAspect="1" noChangeArrowheads="1"/>
+          </p:cNvPicPr>
+          <p:nvPr/>
+        </p:nvPicPr>
+        <p:blipFill>
+          <a:blip r:embed="rId3">
+            <a:extLst>
+              <a:ext uri="{28A0092B-C50C-407E-A947-70E740481C1C}">
+                <a14:useLocalDpi xmlns:a14="http://schemas.microsoft.com/office/drawing/2010/main" val="0"/>
+              </a:ext>
+            </a:extLst>
+          </a:blip>
+          <a:srcRect/>
+          <a:stretch>
+            <a:fillRect/>
+          </a:stretch>
+        </p:blipFill>
+        <p:spPr bwMode="auto">
+          <a:xfrm>
+            <a:off x="1524000" y="0"/>
+            <a:ext cx="9144000" cy="6858000"/>
+          </a:xfrm>
+          <a:prstGeom prst="rect">
+            <a:avLst/>
+          </a:prstGeom>
+          <a:noFill/>
+          <a:ln>
+            <a:noFill/>
+          </a:ln>
+          <a:effectLst/>
+          <a:extLst>
+            <a:ext uri="{909E8E84-426E-40DD-AFC4-6F175D3DCCD1}">
+              <a14:hiddenFill xmlns:a14="http://schemas.microsoft.com/office/drawing/2010/main">
+                <a:solidFill>
+                  <a:srgbClr val="FFFFFF"/>
+                </a:solidFill>
+              </a14:hiddenFill>
+            </a:ext>
+            <a:ext uri="{91240B29-F687-4F45-9708-019B960494DF}">
+              <a14:hiddenLine xmlns:a14="http://schemas.microsoft.com/office/drawing/2010/main" w="9525">
+                <a:solidFill>
+                  <a:srgbClr val="000000"/>
+                </a:solidFill>
+                <a:miter lim="800000"/>
+                <a:headEnd/>
+                <a:tailEnd/>
+              </a14:hiddenLine>
+            </a:ext>
+            <a:ext uri="{AF507438-7753-43E0-B8FC-AC1667EBCBE1}">
+              <a14:hiddenEffects xmlns:a14="http://schemas.microsoft.com/office/drawing/2010/main">
+                <a:effectLst>
+                  <a:outerShdw dist="35921" dir="2700000" algn="ctr" rotWithShape="0">
+                    <a:srgbClr val="808080"/>
+                  </a:outerShdw>
+                </a:effectLst>
+              </a14:hiddenEffects>
+            </a:ext>
+          </a:extLst>
+        </p:spPr>
+      </p:pic>
     </p:spTree>
   </p:cSld>
   <p:clrMapOvr>
     <a:masterClrMapping/>
   </p:clrMapOvr>
+  <p:timing>
+    <p:tnLst>
+      <p:par>
+        <p:cTn id="1" dur="indefinite" restart="never" nodeType="tmRoot">
+          <p:childTnLst>
+            <p:seq concurrent="1" nextAc="seek">
+              <p:cTn id="2" dur="indefinite" nodeType="mainSeq">
+                <p:childTnLst>
+                  <p:par>
+                    <p:cTn id="3" fill="hold" nodeType="clickPar">
+                      <p:stCondLst>
+                        <p:cond delay="indefinite"/>
+                      </p:stCondLst>
+                      <p:childTnLst>
+                        <p:par>
+                          <p:cTn id="4" fill="hold" nodeType="withGroup">
+                            <p:stCondLst>
+                              <p:cond delay="0"/>
+                            </p:stCondLst>
+                            <p:childTnLst>
+                              <p:par>
+                                <p:cTn id="5" presetID="10" presetClass="entr" presetSubtype="0" fill="hold" nodeType="clickEffect">
+                                  <p:stCondLst>
+                                    <p:cond delay="0"/>
+                                  </p:stCondLst>
+                                  <p:childTnLst>
+                                    <p:set>
+                                      <p:cBhvr>
+                                        <p:cTn id="6" dur="1" fill="hold">
+                                          <p:stCondLst>
+                                            <p:cond delay="0"/>
+                                          </p:stCondLst>
+                                        </p:cTn>
+                                        <p:tgtEl>
+                                          <p:spTgt spid="971779"/>
+                                        </p:tgtEl>
+                                        <p:attrNameLst>
+                                          <p:attrName>style.visibility</p:attrName>
+                                        </p:attrNameLst>
+                                      </p:cBhvr>
+                                      <p:to>
+                                        <p:strVal val="visible"/>
+                                      </p:to>
+                                    </p:set>
+                                    <p:animEffect transition="in" filter="fade">
+                                      <p:cBhvr>
+                                        <p:cTn id="7" dur="500"/>
+                                        <p:tgtEl>
+                                          <p:spTgt spid="971779"/>
+                                        </p:tgtEl>
+                                      </p:cBhvr>
+                                    </p:animEffect>
+                                  </p:childTnLst>
+                                </p:cTn>
+                              </p:par>
+                            </p:childTnLst>
+                          </p:cTn>
+                        </p:par>
+                      </p:childTnLst>
+                    </p:cTn>
+                  </p:par>
+                </p:childTnLst>
+              </p:cTn>
+              <p:prevCondLst>
+                <p:cond evt="onPrev" delay="0">
+                  <p:tgtEl>
+                    <p:sldTgt/>
+                  </p:tgtEl>
+                </p:cond>
+              </p:prevCondLst>
+              <p:nextCondLst>
+                <p:cond evt="onNext" delay="0">
+                  <p:tgtEl>
+                    <p:sldTgt/>
+                  </p:tgtEl>
+                </p:cond>
+              </p:nextCondLst>
+            </p:seq>
+          </p:childTnLst>
+        </p:cTn>
+      </p:par>
+    </p:tnLst>
+  </p:timing>
 </p:sld>
 </file>
 
